--- a/datamining/datamining.pptx
+++ b/datamining/datamining.pptx
@@ -1240,7 +1240,7 @@
               <a:pPr>
                 <a:defRPr/>
               </a:pPr>
-              <a:t>2022/12/17</a:t>
+              <a:t>2022/12/22</a:t>
             </a:fld>
             <a:endParaRPr lang="zh-TW" altLang="en-US"/>
           </a:p>
@@ -1477,7 +1477,7 @@
           <a:p>
             <a:fld id="{008A215B-FB2D-431B-B262-7100998F9CF4}" type="datetimeFigureOut">
               <a:rPr lang="zh-TW" altLang="en-US" smtClean="0"/>
-              <a:t>2022/12/17</a:t>
+              <a:t>2022/12/22</a:t>
             </a:fld>
             <a:endParaRPr lang="zh-TW" altLang="en-US"/>
           </a:p>
@@ -1675,7 +1675,7 @@
           <a:p>
             <a:fld id="{008A215B-FB2D-431B-B262-7100998F9CF4}" type="datetimeFigureOut">
               <a:rPr lang="zh-TW" altLang="en-US" smtClean="0"/>
-              <a:t>2022/12/17</a:t>
+              <a:t>2022/12/22</a:t>
             </a:fld>
             <a:endParaRPr lang="zh-TW" altLang="en-US"/>
           </a:p>
@@ -4187,7 +4187,7 @@
           <a:p>
             <a:fld id="{008A215B-FB2D-431B-B262-7100998F9CF4}" type="datetimeFigureOut">
               <a:rPr lang="zh-TW" altLang="en-US" smtClean="0"/>
-              <a:t>2022/12/17</a:t>
+              <a:t>2022/12/22</a:t>
             </a:fld>
             <a:endParaRPr lang="zh-TW" altLang="en-US"/>
           </a:p>
@@ -4599,7 +4599,7 @@
           <a:p>
             <a:fld id="{008A215B-FB2D-431B-B262-7100998F9CF4}" type="datetimeFigureOut">
               <a:rPr lang="zh-TW" altLang="en-US" smtClean="0"/>
-              <a:t>2022/12/17</a:t>
+              <a:t>2022/12/22</a:t>
             </a:fld>
             <a:endParaRPr lang="zh-TW" altLang="en-US"/>
           </a:p>
@@ -4740,7 +4740,7 @@
           <a:p>
             <a:fld id="{008A215B-FB2D-431B-B262-7100998F9CF4}" type="datetimeFigureOut">
               <a:rPr lang="zh-TW" altLang="en-US" smtClean="0"/>
-              <a:t>2022/12/17</a:t>
+              <a:t>2022/12/22</a:t>
             </a:fld>
             <a:endParaRPr lang="zh-TW" altLang="en-US"/>
           </a:p>
@@ -4853,7 +4853,7 @@
           <a:p>
             <a:fld id="{008A215B-FB2D-431B-B262-7100998F9CF4}" type="datetimeFigureOut">
               <a:rPr lang="zh-TW" altLang="en-US" smtClean="0"/>
-              <a:t>2022/12/17</a:t>
+              <a:t>2022/12/22</a:t>
             </a:fld>
             <a:endParaRPr lang="zh-TW" altLang="en-US"/>
           </a:p>
@@ -5164,7 +5164,7 @@
           <a:p>
             <a:fld id="{008A215B-FB2D-431B-B262-7100998F9CF4}" type="datetimeFigureOut">
               <a:rPr lang="zh-TW" altLang="en-US" smtClean="0"/>
-              <a:t>2022/12/17</a:t>
+              <a:t>2022/12/22</a:t>
             </a:fld>
             <a:endParaRPr lang="zh-TW" altLang="en-US"/>
           </a:p>
@@ -5405,7 +5405,7 @@
           <a:p>
             <a:fld id="{008A215B-FB2D-431B-B262-7100998F9CF4}" type="datetimeFigureOut">
               <a:rPr lang="zh-TW" altLang="en-US" smtClean="0"/>
-              <a:t>2022/12/17</a:t>
+              <a:t>2022/12/22</a:t>
             </a:fld>
             <a:endParaRPr lang="zh-TW" altLang="en-US"/>
           </a:p>
@@ -5917,7 +5917,7 @@
                 <a:latin typeface="微軟正黑體" panose="020B0604030504040204" pitchFamily="34" charset="-120"/>
                 <a:ea typeface="微軟正黑體" panose="020B0604030504040204" pitchFamily="34" charset="-120"/>
               </a:rPr>
-              <a:t>資工碩二 </a:t>
+              <a:t>資工碩一 </a:t>
             </a:r>
             <a:r>
               <a:rPr lang="en-US" altLang="zh-TW" spc="300" dirty="0">
@@ -5956,7 +5956,7 @@
                 <a:latin typeface="微軟正黑體" panose="020B0604030504040204" pitchFamily="34" charset="-120"/>
                 <a:ea typeface="微軟正黑體" panose="020B0604030504040204" pitchFamily="34" charset="-120"/>
               </a:rPr>
-              <a:t>資工碩二 </a:t>
+              <a:t>資工碩一 </a:t>
             </a:r>
             <a:r>
               <a:rPr lang="en-US" altLang="zh-TW" spc="300" dirty="0">
@@ -6154,7 +6154,7 @@
         <p:spPr>
           <a:xfrm>
             <a:off x="790575" y="3058227"/>
-            <a:ext cx="4295775" cy="923330"/>
+            <a:ext cx="4295775" cy="1200329"/>
           </a:xfrm>
           <a:prstGeom prst="rect">
             <a:avLst/>
@@ -6167,7 +6167,7 @@
           <a:lstStyle/>
           <a:p>
             <a:r>
-              <a:rPr lang="en-US" altLang="zh-TW" spc="300" dirty="0">
+              <a:rPr lang="zh-CN" altLang="en-US" spc="300" dirty="0">
                 <a:solidFill>
                   <a:srgbClr val="063944"/>
                 </a:solidFill>
@@ -6175,10 +6175,10 @@
                 <a:ea typeface="微軟正黑體" panose="020B0604030504040204" pitchFamily="34" charset="-120"/>
                 <a:cs typeface="Courier New" panose="02070309020205020404" pitchFamily="49" charset="0"/>
               </a:rPr>
-              <a:t>SVM</a:t>
-            </a:r>
-            <a:r>
-              <a:rPr lang="zh-TW" altLang="en-US" spc="300" dirty="0">
+              <a:t>支持向量机（</a:t>
+            </a:r>
+            <a:r>
+              <a:rPr lang="en-US" altLang="zh-CN" spc="300" dirty="0">
                 <a:solidFill>
                   <a:srgbClr val="063944"/>
                 </a:solidFill>
@@ -6186,8 +6186,71 @@
                 <a:ea typeface="微軟正黑體" panose="020B0604030504040204" pitchFamily="34" charset="-120"/>
                 <a:cs typeface="Courier New" panose="02070309020205020404" pitchFamily="49" charset="0"/>
               </a:rPr>
-              <a:t>就是將在低微度空間線性不可分的樣本映射到高維度空間去，找到一個超平面將這些樣本做有效</a:t>
-            </a:r>
+              <a:t>support vector machines, SVM</a:t>
+            </a:r>
+            <a:r>
+              <a:rPr lang="zh-CN" altLang="en-US" spc="300" dirty="0">
+                <a:solidFill>
+                  <a:srgbClr val="063944"/>
+                </a:solidFill>
+                <a:latin typeface="Courier New" panose="02070309020205020404" pitchFamily="49" charset="0"/>
+                <a:ea typeface="微軟正黑體" panose="020B0604030504040204" pitchFamily="34" charset="-120"/>
+                <a:cs typeface="Courier New" panose="02070309020205020404" pitchFamily="49" charset="0"/>
+              </a:rPr>
+              <a:t>）是</a:t>
+            </a:r>
+            <a:r>
+              <a:rPr lang="zh-TW" altLang="en-US" spc="300" dirty="0">
+                <a:solidFill>
+                  <a:srgbClr val="063944"/>
+                </a:solidFill>
+                <a:latin typeface="Courier New" panose="02070309020205020404" pitchFamily="49" charset="0"/>
+                <a:ea typeface="微軟正黑體" panose="020B0604030504040204" pitchFamily="34" charset="-120"/>
+                <a:cs typeface="Courier New" panose="02070309020205020404" pitchFamily="49" charset="0"/>
+              </a:rPr>
+              <a:t>二分類</a:t>
+            </a:r>
+            <a:r>
+              <a:rPr lang="zh-CN" altLang="en-US" spc="300" dirty="0">
+                <a:solidFill>
+                  <a:srgbClr val="063944"/>
+                </a:solidFill>
+                <a:latin typeface="Courier New" panose="02070309020205020404" pitchFamily="49" charset="0"/>
+                <a:ea typeface="微軟正黑體" panose="020B0604030504040204" pitchFamily="34" charset="-120"/>
+                <a:cs typeface="Courier New" panose="02070309020205020404" pitchFamily="49" charset="0"/>
+              </a:rPr>
+              <a:t>模型，它的基本模型是</a:t>
+            </a:r>
+            <a:r>
+              <a:rPr lang="zh-TW" altLang="en-US" spc="300" dirty="0">
+                <a:solidFill>
+                  <a:srgbClr val="063944"/>
+                </a:solidFill>
+                <a:latin typeface="Courier New" panose="02070309020205020404" pitchFamily="49" charset="0"/>
+                <a:ea typeface="微軟正黑體" panose="020B0604030504040204" pitchFamily="34" charset="-120"/>
+                <a:cs typeface="Courier New" panose="02070309020205020404" pitchFamily="49" charset="0"/>
+              </a:rPr>
+              <a:t>定義在特徵空間上的間隔最大的線性分類器</a:t>
+            </a:r>
+            <a:r>
+              <a:rPr lang="zh-CN" altLang="en-US" spc="300" dirty="0">
+                <a:solidFill>
+                  <a:srgbClr val="063944"/>
+                </a:solidFill>
+                <a:latin typeface="Courier New" panose="02070309020205020404" pitchFamily="49" charset="0"/>
+                <a:ea typeface="微軟正黑體" panose="020B0604030504040204" pitchFamily="34" charset="-120"/>
+                <a:cs typeface="Courier New" panose="02070309020205020404" pitchFamily="49" charset="0"/>
+              </a:rPr>
+              <a:t>。</a:t>
+            </a:r>
+            <a:endParaRPr lang="zh-TW" altLang="en-US" spc="300" dirty="0">
+              <a:solidFill>
+                <a:srgbClr val="063944"/>
+              </a:solidFill>
+              <a:latin typeface="Courier New" panose="02070309020205020404" pitchFamily="49" charset="0"/>
+              <a:ea typeface="微軟正黑體" panose="020B0604030504040204" pitchFamily="34" charset="-120"/>
+              <a:cs typeface="Courier New" panose="02070309020205020404" pitchFamily="49" charset="0"/>
+            </a:endParaRPr>
           </a:p>
         </p:txBody>
       </p:sp>
@@ -6283,7 +6346,7 @@
         <p:spPr>
           <a:xfrm>
             <a:off x="1028700" y="2426267"/>
-            <a:ext cx="3971925" cy="3139321"/>
+            <a:ext cx="3971925" cy="2031325"/>
           </a:xfrm>
           <a:prstGeom prst="rect">
             <a:avLst/>
@@ -6337,117 +6400,7 @@
                 <a:ea typeface="微軟正黑體" panose="020B0604030504040204" pitchFamily="34" charset="-120"/>
                 <a:cs typeface="Courier New" panose="02070309020205020404" pitchFamily="49" charset="0"/>
               </a:rPr>
-              <a:t>，不過一般來說監督式學習是透過資料訓練</a:t>
-            </a:r>
-            <a:r>
-              <a:rPr lang="en-US" altLang="zh-TW" spc="300" dirty="0">
-                <a:solidFill>
-                  <a:srgbClr val="063944"/>
-                </a:solidFill>
-                <a:latin typeface="Courier New" panose="02070309020205020404" pitchFamily="49" charset="0"/>
-                <a:ea typeface="微軟正黑體" panose="020B0604030504040204" pitchFamily="34" charset="-120"/>
-                <a:cs typeface="Courier New" panose="02070309020205020404" pitchFamily="49" charset="0"/>
-              </a:rPr>
-              <a:t>(training)</a:t>
-            </a:r>
-            <a:r>
-              <a:rPr lang="zh-TW" altLang="en-US" spc="300" dirty="0">
-                <a:solidFill>
-                  <a:srgbClr val="063944"/>
-                </a:solidFill>
-                <a:latin typeface="Courier New" panose="02070309020205020404" pitchFamily="49" charset="0"/>
-                <a:ea typeface="微軟正黑體" panose="020B0604030504040204" pitchFamily="34" charset="-120"/>
-                <a:cs typeface="Courier New" panose="02070309020205020404" pitchFamily="49" charset="0"/>
-              </a:rPr>
-              <a:t>出一個</a:t>
-            </a:r>
-            <a:r>
-              <a:rPr lang="en-US" altLang="zh-TW" spc="300" dirty="0">
-                <a:solidFill>
-                  <a:srgbClr val="063944"/>
-                </a:solidFill>
-                <a:latin typeface="Courier New" panose="02070309020205020404" pitchFamily="49" charset="0"/>
-                <a:ea typeface="微軟正黑體" panose="020B0604030504040204" pitchFamily="34" charset="-120"/>
-                <a:cs typeface="Courier New" panose="02070309020205020404" pitchFamily="49" charset="0"/>
-              </a:rPr>
-              <a:t>model</a:t>
-            </a:r>
-            <a:r>
-              <a:rPr lang="zh-TW" altLang="en-US" spc="300" dirty="0">
-                <a:solidFill>
-                  <a:srgbClr val="063944"/>
-                </a:solidFill>
-                <a:latin typeface="Courier New" panose="02070309020205020404" pitchFamily="49" charset="0"/>
-                <a:ea typeface="微軟正黑體" panose="020B0604030504040204" pitchFamily="34" charset="-120"/>
-                <a:cs typeface="Courier New" panose="02070309020205020404" pitchFamily="49" charset="0"/>
-              </a:rPr>
-              <a:t>，但是在</a:t>
-            </a:r>
-            <a:r>
-              <a:rPr lang="en-US" altLang="zh-TW" spc="300" dirty="0">
-                <a:solidFill>
-                  <a:srgbClr val="063944"/>
-                </a:solidFill>
-                <a:latin typeface="Courier New" panose="02070309020205020404" pitchFamily="49" charset="0"/>
-                <a:ea typeface="微軟正黑體" panose="020B0604030504040204" pitchFamily="34" charset="-120"/>
-                <a:cs typeface="Courier New" panose="02070309020205020404" pitchFamily="49" charset="0"/>
-              </a:rPr>
-              <a:t>KNN</a:t>
-            </a:r>
-            <a:r>
-              <a:rPr lang="zh-TW" altLang="en-US" spc="300" dirty="0">
-                <a:solidFill>
-                  <a:srgbClr val="063944"/>
-                </a:solidFill>
-                <a:latin typeface="Courier New" panose="02070309020205020404" pitchFamily="49" charset="0"/>
-                <a:ea typeface="微軟正黑體" panose="020B0604030504040204" pitchFamily="34" charset="-120"/>
-                <a:cs typeface="Courier New" panose="02070309020205020404" pitchFamily="49" charset="0"/>
-              </a:rPr>
-              <a:t>其實並沒有做</a:t>
-            </a:r>
-            <a:r>
-              <a:rPr lang="en-US" altLang="zh-TW" spc="300" dirty="0">
-                <a:solidFill>
-                  <a:srgbClr val="063944"/>
-                </a:solidFill>
-                <a:latin typeface="Courier New" panose="02070309020205020404" pitchFamily="49" charset="0"/>
-                <a:ea typeface="微軟正黑體" panose="020B0604030504040204" pitchFamily="34" charset="-120"/>
-                <a:cs typeface="Courier New" panose="02070309020205020404" pitchFamily="49" charset="0"/>
-              </a:rPr>
-              <a:t>training</a:t>
-            </a:r>
-            <a:r>
-              <a:rPr lang="zh-TW" altLang="en-US" spc="300" dirty="0">
-                <a:solidFill>
-                  <a:srgbClr val="063944"/>
-                </a:solidFill>
-                <a:latin typeface="Courier New" panose="02070309020205020404" pitchFamily="49" charset="0"/>
-                <a:ea typeface="微軟正黑體" panose="020B0604030504040204" pitchFamily="34" charset="-120"/>
-                <a:cs typeface="Courier New" panose="02070309020205020404" pitchFamily="49" charset="0"/>
-              </a:rPr>
-              <a:t>的動作。</a:t>
-            </a:r>
-            <a:r>
-              <a:rPr lang="en-US" altLang="zh-TW" spc="300" dirty="0">
-                <a:solidFill>
-                  <a:srgbClr val="063944"/>
-                </a:solidFill>
-                <a:latin typeface="Courier New" panose="02070309020205020404" pitchFamily="49" charset="0"/>
-                <a:ea typeface="微軟正黑體" panose="020B0604030504040204" pitchFamily="34" charset="-120"/>
-                <a:cs typeface="Courier New" panose="02070309020205020404" pitchFamily="49" charset="0"/>
-              </a:rPr>
-              <a:t>KNN</a:t>
-            </a:r>
-            <a:r>
-              <a:rPr lang="zh-TW" altLang="en-US" spc="300" dirty="0">
-                <a:solidFill>
-                  <a:srgbClr val="063944"/>
-                </a:solidFill>
-                <a:latin typeface="Courier New" panose="02070309020205020404" pitchFamily="49" charset="0"/>
-                <a:ea typeface="微軟正黑體" panose="020B0604030504040204" pitchFamily="34" charset="-120"/>
-                <a:cs typeface="Courier New" panose="02070309020205020404" pitchFamily="49" charset="0"/>
-              </a:rPr>
-              <a:t>一般用來做資料的分類，如果你已經有一群分好類別的資料，後來加進去點就可以透過</a:t>
+              <a:t>，一般用來做資料的分類，如果已經有一群分好類別的資料，後來加進去點就可以透過</a:t>
             </a:r>
             <a:r>
               <a:rPr lang="en-US" altLang="zh-TW" spc="300" dirty="0">
@@ -11705,10 +11658,10 @@
       </p:sp>
       <p:pic>
         <p:nvPicPr>
-          <p:cNvPr id="3" name="圖片 2">
-            <a:extLst>
-              <a:ext uri="{FF2B5EF4-FFF2-40B4-BE49-F238E27FC236}">
-                <a16:creationId xmlns:a16="http://schemas.microsoft.com/office/drawing/2014/main" id="{675F1205-98C9-4C2F-ABA4-A5B11A3FB0D1}"/>
+          <p:cNvPr id="4" name="圖片 3">
+            <a:extLst>
+              <a:ext uri="{FF2B5EF4-FFF2-40B4-BE49-F238E27FC236}">
+                <a16:creationId xmlns:a16="http://schemas.microsoft.com/office/drawing/2014/main" id="{2E35061E-ECBE-4D93-85E9-3B7FA57FF03C}"/>
               </a:ext>
             </a:extLst>
           </p:cNvPr>
@@ -11725,20 +11678,110 @@
         </p:blipFill>
         <p:spPr>
           <a:xfrm>
-            <a:off x="5256848" y="1801762"/>
-            <a:ext cx="6068407" cy="1946216"/>
+            <a:off x="5256848" y="4272262"/>
+            <a:ext cx="6241482" cy="2153886"/>
           </a:xfrm>
           <a:prstGeom prst="rect">
             <a:avLst/>
           </a:prstGeom>
         </p:spPr>
       </p:pic>
+      <p:sp>
+        <p:nvSpPr>
+          <p:cNvPr id="9" name="文字方塊 8">
+            <a:extLst>
+              <a:ext uri="{FF2B5EF4-FFF2-40B4-BE49-F238E27FC236}">
+                <a16:creationId xmlns:a16="http://schemas.microsoft.com/office/drawing/2014/main" id="{9344D731-C52D-4025-88AB-CE908357C5C2}"/>
+              </a:ext>
+            </a:extLst>
+          </p:cNvPr>
+          <p:cNvSpPr txBox="1"/>
+          <p:nvPr/>
+        </p:nvSpPr>
+        <p:spPr>
+          <a:xfrm>
+            <a:off x="1726398" y="2368019"/>
+            <a:ext cx="1559293" cy="707886"/>
+          </a:xfrm>
+          <a:prstGeom prst="rect">
+            <a:avLst/>
+          </a:prstGeom>
+          <a:noFill/>
+        </p:spPr>
+        <p:txBody>
+          <a:bodyPr wrap="square" rtlCol="0">
+            <a:spAutoFit/>
+          </a:bodyPr>
+          <a:lstStyle/>
+          <a:p>
+            <a:pPr algn="ctr"/>
+            <a:r>
+              <a:rPr lang="en-US" altLang="zh-TW" sz="4000" spc="300" dirty="0">
+                <a:solidFill>
+                  <a:srgbClr val="063944"/>
+                </a:solidFill>
+              </a:rPr>
+              <a:t>SVM</a:t>
+            </a:r>
+            <a:endParaRPr lang="zh-TW" altLang="en-US" sz="4800" spc="300" dirty="0">
+              <a:solidFill>
+                <a:srgbClr val="063944"/>
+              </a:solidFill>
+            </a:endParaRPr>
+          </a:p>
+        </p:txBody>
+      </p:sp>
+      <p:sp>
+        <p:nvSpPr>
+          <p:cNvPr id="10" name="文字方塊 9">
+            <a:extLst>
+              <a:ext uri="{FF2B5EF4-FFF2-40B4-BE49-F238E27FC236}">
+                <a16:creationId xmlns:a16="http://schemas.microsoft.com/office/drawing/2014/main" id="{E79159CE-1477-4B10-8D3A-7CD21A891680}"/>
+              </a:ext>
+            </a:extLst>
+          </p:cNvPr>
+          <p:cNvSpPr txBox="1"/>
+          <p:nvPr/>
+        </p:nvSpPr>
+        <p:spPr>
+          <a:xfrm>
+            <a:off x="1726397" y="4641319"/>
+            <a:ext cx="1559293" cy="707886"/>
+          </a:xfrm>
+          <a:prstGeom prst="rect">
+            <a:avLst/>
+          </a:prstGeom>
+          <a:noFill/>
+        </p:spPr>
+        <p:txBody>
+          <a:bodyPr wrap="square" rtlCol="0">
+            <a:spAutoFit/>
+          </a:bodyPr>
+          <a:lstStyle/>
+          <a:p>
+            <a:pPr algn="ctr"/>
+            <a:r>
+              <a:rPr lang="en-US" altLang="zh-TW" sz="4000" spc="300" dirty="0">
+                <a:solidFill>
+                  <a:srgbClr val="063944"/>
+                </a:solidFill>
+              </a:rPr>
+              <a:t>KNN</a:t>
+            </a:r>
+            <a:endParaRPr lang="zh-TW" altLang="en-US" sz="4800" spc="300" dirty="0">
+              <a:solidFill>
+                <a:srgbClr val="063944"/>
+              </a:solidFill>
+            </a:endParaRPr>
+          </a:p>
+        </p:txBody>
+      </p:sp>
       <p:pic>
         <p:nvPicPr>
-          <p:cNvPr id="4" name="圖片 3">
-            <a:extLst>
-              <a:ext uri="{FF2B5EF4-FFF2-40B4-BE49-F238E27FC236}">
-                <a16:creationId xmlns:a16="http://schemas.microsoft.com/office/drawing/2014/main" id="{2E35061E-ECBE-4D93-85E9-3B7FA57FF03C}"/>
+          <p:cNvPr id="7" name="圖片 6">
+            <a:extLst>
+              <a:ext uri="{FF2B5EF4-FFF2-40B4-BE49-F238E27FC236}">
+                <a16:creationId xmlns:a16="http://schemas.microsoft.com/office/drawing/2014/main" id="{D95B0B9C-62E7-4FAF-8B73-6ED005583656}"/>
               </a:ext>
             </a:extLst>
           </p:cNvPr>
@@ -11755,104 +11798,14 @@
         </p:blipFill>
         <p:spPr>
           <a:xfrm>
-            <a:off x="5256848" y="4272262"/>
-            <a:ext cx="6241482" cy="2153886"/>
+            <a:off x="5297268" y="1749822"/>
+            <a:ext cx="5825009" cy="1941670"/>
           </a:xfrm>
           <a:prstGeom prst="rect">
             <a:avLst/>
           </a:prstGeom>
         </p:spPr>
       </p:pic>
-      <p:sp>
-        <p:nvSpPr>
-          <p:cNvPr id="9" name="文字方塊 8">
-            <a:extLst>
-              <a:ext uri="{FF2B5EF4-FFF2-40B4-BE49-F238E27FC236}">
-                <a16:creationId xmlns:a16="http://schemas.microsoft.com/office/drawing/2014/main" id="{9344D731-C52D-4025-88AB-CE908357C5C2}"/>
-              </a:ext>
-            </a:extLst>
-          </p:cNvPr>
-          <p:cNvSpPr txBox="1"/>
-          <p:nvPr/>
-        </p:nvSpPr>
-        <p:spPr>
-          <a:xfrm>
-            <a:off x="1726398" y="2368019"/>
-            <a:ext cx="1559293" cy="707886"/>
-          </a:xfrm>
-          <a:prstGeom prst="rect">
-            <a:avLst/>
-          </a:prstGeom>
-          <a:noFill/>
-        </p:spPr>
-        <p:txBody>
-          <a:bodyPr wrap="square" rtlCol="0">
-            <a:spAutoFit/>
-          </a:bodyPr>
-          <a:lstStyle/>
-          <a:p>
-            <a:pPr algn="ctr"/>
-            <a:r>
-              <a:rPr lang="en-US" altLang="zh-TW" sz="4000" spc="300" dirty="0">
-                <a:solidFill>
-                  <a:srgbClr val="063944"/>
-                </a:solidFill>
-              </a:rPr>
-              <a:t>SVM</a:t>
-            </a:r>
-            <a:endParaRPr lang="zh-TW" altLang="en-US" sz="4800" spc="300" dirty="0">
-              <a:solidFill>
-                <a:srgbClr val="063944"/>
-              </a:solidFill>
-            </a:endParaRPr>
-          </a:p>
-        </p:txBody>
-      </p:sp>
-      <p:sp>
-        <p:nvSpPr>
-          <p:cNvPr id="10" name="文字方塊 9">
-            <a:extLst>
-              <a:ext uri="{FF2B5EF4-FFF2-40B4-BE49-F238E27FC236}">
-                <a16:creationId xmlns:a16="http://schemas.microsoft.com/office/drawing/2014/main" id="{E79159CE-1477-4B10-8D3A-7CD21A891680}"/>
-              </a:ext>
-            </a:extLst>
-          </p:cNvPr>
-          <p:cNvSpPr txBox="1"/>
-          <p:nvPr/>
-        </p:nvSpPr>
-        <p:spPr>
-          <a:xfrm>
-            <a:off x="1726397" y="4641319"/>
-            <a:ext cx="1559293" cy="707886"/>
-          </a:xfrm>
-          <a:prstGeom prst="rect">
-            <a:avLst/>
-          </a:prstGeom>
-          <a:noFill/>
-        </p:spPr>
-        <p:txBody>
-          <a:bodyPr wrap="square" rtlCol="0">
-            <a:spAutoFit/>
-          </a:bodyPr>
-          <a:lstStyle/>
-          <a:p>
-            <a:pPr algn="ctr"/>
-            <a:r>
-              <a:rPr lang="en-US" altLang="zh-TW" sz="4000" spc="300" dirty="0">
-                <a:solidFill>
-                  <a:srgbClr val="063944"/>
-                </a:solidFill>
-              </a:rPr>
-              <a:t>KNN</a:t>
-            </a:r>
-            <a:endParaRPr lang="zh-TW" altLang="en-US" sz="4800" spc="300" dirty="0">
-              <a:solidFill>
-                <a:srgbClr val="063944"/>
-              </a:solidFill>
-            </a:endParaRPr>
-          </a:p>
-        </p:txBody>
-      </p:sp>
     </p:spTree>
     <p:extLst>
       <p:ext uri="{BB962C8B-B14F-4D97-AF65-F5344CB8AC3E}">
@@ -12310,7 +12263,27 @@
                 <a:latin typeface="微軟正黑體" panose="020B0604030504040204" pitchFamily="34" charset="-120"/>
                 <a:ea typeface="微軟正黑體" panose="020B0604030504040204" pitchFamily="34" charset="-120"/>
               </a:rPr>
-              <a:t>SVM</a:t>
+              <a:t>KNN</a:t>
+            </a:r>
+            <a:r>
+              <a:rPr lang="zh-TW" altLang="en-US" spc="300" dirty="0">
+                <a:solidFill>
+                  <a:srgbClr val="063944"/>
+                </a:solidFill>
+                <a:latin typeface="微軟正黑體" panose="020B0604030504040204" pitchFamily="34" charset="-120"/>
+                <a:ea typeface="微軟正黑體" panose="020B0604030504040204" pitchFamily="34" charset="-120"/>
+              </a:rPr>
+              <a:t>，利用</a:t>
+            </a:r>
+            <a:r>
+              <a:rPr lang="en-US" altLang="zh-TW" spc="300" dirty="0">
+                <a:solidFill>
+                  <a:srgbClr val="063944"/>
+                </a:solidFill>
+                <a:latin typeface="微軟正黑體" panose="020B0604030504040204" pitchFamily="34" charset="-120"/>
+                <a:ea typeface="微軟正黑體" panose="020B0604030504040204" pitchFamily="34" charset="-120"/>
+              </a:rPr>
+              <a:t>Decision Tree </a:t>
             </a:r>
             <a:r>
               <a:rPr lang="zh-TW" altLang="en-US" spc="300" dirty="0">
@@ -12330,27 +12303,7 @@
                 <a:latin typeface="微軟正黑體" panose="020B0604030504040204" pitchFamily="34" charset="-120"/>
                 <a:ea typeface="微軟正黑體" panose="020B0604030504040204" pitchFamily="34" charset="-120"/>
               </a:rPr>
-              <a:t>KNN</a:t>
-            </a:r>
-            <a:r>
-              <a:rPr lang="zh-TW" altLang="en-US" spc="300" dirty="0">
-                <a:solidFill>
-                  <a:srgbClr val="063944"/>
-                </a:solidFill>
-                <a:latin typeface="微軟正黑體" panose="020B0604030504040204" pitchFamily="34" charset="-120"/>
-                <a:ea typeface="微軟正黑體" panose="020B0604030504040204" pitchFamily="34" charset="-120"/>
-              </a:rPr>
-              <a:t>，利用</a:t>
-            </a:r>
-            <a:r>
-              <a:rPr lang="en-US" altLang="zh-TW" spc="300" dirty="0">
-                <a:solidFill>
-                  <a:srgbClr val="063944"/>
-                </a:solidFill>
-                <a:latin typeface="微軟正黑體" panose="020B0604030504040204" pitchFamily="34" charset="-120"/>
-                <a:ea typeface="微軟正黑體" panose="020B0604030504040204" pitchFamily="34" charset="-120"/>
-              </a:rPr>
-              <a:t>Decision Tree </a:t>
+              <a:t> SVM</a:t>
             </a:r>
             <a:r>
               <a:rPr lang="zh-TW" altLang="en-US" spc="300" dirty="0">
@@ -12548,7 +12501,7 @@
                 <a:latin typeface="微軟正黑體" panose="020B0604030504040204" pitchFamily="34" charset="-120"/>
                 <a:ea typeface="微軟正黑體" panose="020B0604030504040204" pitchFamily="34" charset="-120"/>
               </a:rPr>
-              <a:t>透過降維的方式可以訓練出較好的模組。</a:t>
+              <a:t>將資料集先標準化後，透過降維的方式可以訓練出較好的模組。</a:t>
             </a:r>
             <a:endParaRPr lang="en-US" altLang="zh-TW" spc="300" dirty="0">
               <a:solidFill>
@@ -13201,7 +13154,7 @@
         </p:blipFill>
         <p:spPr>
           <a:xfrm>
-            <a:off x="607496" y="2120287"/>
+            <a:off x="607496" y="2380345"/>
             <a:ext cx="10977007" cy="2952227"/>
           </a:xfrm>
           <a:prstGeom prst="rect">
@@ -14420,14 +14373,24 @@
               <a:t>、</a:t>
             </a:r>
             <a:r>
-              <a:rPr lang="en-US" altLang="zh-TW" spc="600" dirty="0">
+              <a:rPr lang="en-US" altLang="zh-TW" spc="600" dirty="0" err="1">
                 <a:solidFill>
                   <a:srgbClr val="063944"/>
                 </a:solidFill>
                 <a:latin typeface="微軟正黑體" panose="020B0604030504040204" pitchFamily="34" charset="-120"/>
                 <a:ea typeface="微軟正黑體" panose="020B0604030504040204" pitchFamily="34" charset="-120"/>
               </a:rPr>
-              <a:t>Gain ratio</a:t>
+              <a:t>gini</a:t>
+            </a:r>
+            <a:r>
+              <a:rPr lang="en-US" altLang="zh-TW" spc="600" dirty="0">
+                <a:solidFill>
+                  <a:srgbClr val="063944"/>
+                </a:solidFill>
+                <a:latin typeface="微軟正黑體" panose="020B0604030504040204" pitchFamily="34" charset="-120"/>
+                <a:ea typeface="微軟正黑體" panose="020B0604030504040204" pitchFamily="34" charset="-120"/>
+              </a:rPr>
+              <a:t> </a:t>
             </a:r>
             <a:r>
               <a:rPr lang="zh-TW" altLang="en-US" spc="600" dirty="0">
@@ -14447,7 +14410,7 @@
                 <a:latin typeface="微軟正黑體" panose="020B0604030504040204" pitchFamily="34" charset="-120"/>
                 <a:ea typeface="微軟正黑體" panose="020B0604030504040204" pitchFamily="34" charset="-120"/>
               </a:rPr>
-              <a:t>Gini index</a:t>
+              <a:t>entropy</a:t>
             </a:r>
             <a:r>
               <a:rPr lang="zh-TW" altLang="en-US" spc="600" dirty="0">
